--- a/3/js&html&css.pptx
+++ b/3/js&html&css.pptx
@@ -3591,6 +3591,13 @@
           <a:p>
             <a:r>
               <a:rPr lang="nb-NO"/>
+              <a:t>Nerdschool 3</a:t>
+            </a:r>
+            <a:br>
+              <a:rPr lang="nb-NO"/>
+            </a:br>
+            <a:r>
+              <a:rPr lang="nb-NO"/>
               <a:t>Web pages</a:t>
             </a:r>
           </a:p>
@@ -3628,6 +3635,13 @@
   <p:clrMapOvr>
     <a:masterClrMapping/>
   </p:clrMapOvr>
+  <p:timing>
+    <p:tnLst>
+      <p:par>
+        <p:cTn xmlns:p14="http://schemas.microsoft.com/office/powerpoint/2010/main" id="1" dur="indefinite" restart="never" nodeType="tmRoot"/>
+      </p:par>
+    </p:tnLst>
+  </p:timing>
 </p:sld>
 </file>
 
@@ -3704,6 +3718,13 @@
   <p:clrMapOvr>
     <a:masterClrMapping/>
   </p:clrMapOvr>
+  <p:timing>
+    <p:tnLst>
+      <p:par>
+        <p:cTn xmlns:p14="http://schemas.microsoft.com/office/powerpoint/2010/main" id="1" dur="indefinite" restart="never" nodeType="tmRoot"/>
+      </p:par>
+    </p:tnLst>
+  </p:timing>
 </p:sld>
 </file>
 
@@ -4009,6 +4030,13 @@
   <p:clrMapOvr>
     <a:masterClrMapping/>
   </p:clrMapOvr>
+  <p:timing>
+    <p:tnLst>
+      <p:par>
+        <p:cTn xmlns:p14="http://schemas.microsoft.com/office/powerpoint/2010/main" id="1" dur="indefinite" restart="never" nodeType="tmRoot"/>
+      </p:par>
+    </p:tnLst>
+  </p:timing>
 </p:sld>
 </file>
 
@@ -4263,6 +4291,13 @@
   <p:clrMapOvr>
     <a:masterClrMapping/>
   </p:clrMapOvr>
+  <p:timing>
+    <p:tnLst>
+      <p:par>
+        <p:cTn xmlns:p14="http://schemas.microsoft.com/office/powerpoint/2010/main" id="1" dur="indefinite" restart="never" nodeType="tmRoot"/>
+      </p:par>
+    </p:tnLst>
+  </p:timing>
 </p:sld>
 </file>
 
@@ -4345,7 +4380,7 @@
           <a:p>
             <a:r>
               <a:rPr lang="nb-NO"/>
-              <a:t>Responds to events</a:t>
+              <a:t>Triggered by events</a:t>
             </a:r>
           </a:p>
           <a:p>
@@ -4366,6 +4401,13 @@
   <p:clrMapOvr>
     <a:masterClrMapping/>
   </p:clrMapOvr>
+  <p:timing>
+    <p:tnLst>
+      <p:par>
+        <p:cTn xmlns:p14="http://schemas.microsoft.com/office/powerpoint/2010/main" id="1" dur="indefinite" restart="never" nodeType="tmRoot"/>
+      </p:par>
+    </p:tnLst>
+  </p:timing>
 </p:sld>
 </file>
 
@@ -4700,6 +4742,13 @@
   <p:clrMapOvr>
     <a:masterClrMapping/>
   </p:clrMapOvr>
+  <p:timing>
+    <p:tnLst>
+      <p:par>
+        <p:cTn xmlns:p14="http://schemas.microsoft.com/office/powerpoint/2010/main" id="1" dur="indefinite" restart="never" nodeType="tmRoot"/>
+      </p:par>
+    </p:tnLst>
+  </p:timing>
 </p:sld>
 </file>
 
@@ -4831,7 +4880,7 @@
         <p:spPr>
           <a:xfrm>
             <a:off x="242573" y="3899691"/>
-            <a:ext cx="8444227" cy="1477328"/>
+            <a:ext cx="8444227" cy="1200329"/>
           </a:xfrm>
           <a:prstGeom prst="rect">
             <a:avLst/>
@@ -4875,16 +4924,7 @@
                 <a:latin typeface="Courier"/>
                 <a:cs typeface="Courier"/>
               </a:rPr>
-              <a:t>  });	</a:t>
-            </a:r>
-          </a:p>
-          <a:p>
-            <a:r>
-              <a:rPr lang="nb-NO" b="1">
-                <a:latin typeface="Courier"/>
-                <a:cs typeface="Courier"/>
-              </a:rPr>
-              <a:t>}());</a:t>
+              <a:t>})();</a:t>
             </a:r>
           </a:p>
         </p:txBody>
@@ -4957,6 +4997,13 @@
   <p:clrMapOvr>
     <a:masterClrMapping/>
   </p:clrMapOvr>
+  <p:timing>
+    <p:tnLst>
+      <p:par>
+        <p:cTn xmlns:p14="http://schemas.microsoft.com/office/powerpoint/2010/main" id="1" dur="indefinite" restart="never" nodeType="tmRoot"/>
+      </p:par>
+    </p:tnLst>
+  </p:timing>
 </p:sld>
 </file>
 
@@ -5028,7 +5075,7 @@
           <a:p>
             <a:r>
               <a:rPr lang="nb-NO"/>
-              <a:t>Jsfiddle to try things out</a:t>
+              <a:t>Jsfiddle.com to try things out</a:t>
             </a:r>
           </a:p>
           <a:p>
@@ -5061,6 +5108,13 @@
   <p:clrMapOvr>
     <a:masterClrMapping/>
   </p:clrMapOvr>
+  <p:timing>
+    <p:tnLst>
+      <p:par>
+        <p:cTn xmlns:p14="http://schemas.microsoft.com/office/powerpoint/2010/main" id="1" dur="indefinite" restart="never" nodeType="tmRoot"/>
+      </p:par>
+    </p:tnLst>
+  </p:timing>
 </p:sld>
 </file>
 
@@ -5170,6 +5224,13 @@
   <p:clrMapOvr>
     <a:masterClrMapping/>
   </p:clrMapOvr>
+  <p:timing>
+    <p:tnLst>
+      <p:par>
+        <p:cTn xmlns:p14="http://schemas.microsoft.com/office/powerpoint/2010/main" id="1" dur="indefinite" restart="never" nodeType="tmRoot"/>
+      </p:par>
+    </p:tnLst>
+  </p:timing>
 </p:sld>
 </file>
 
